--- a/MiniProject.pptx
+++ b/MiniProject.pptx
@@ -5,7 +5,7 @@
     <p:sldMasterId id="2147483660" r:id="rId4"/>
   </p:sldMasterIdLst>
   <p:notesMasterIdLst>
-    <p:notesMasterId r:id="rId17"/>
+    <p:notesMasterId r:id="rId19"/>
   </p:notesMasterIdLst>
   <p:sldIdLst>
     <p:sldId id="257" r:id="rId5"/>
@@ -16,10 +16,12 @@
     <p:sldId id="262" r:id="rId10"/>
     <p:sldId id="269" r:id="rId11"/>
     <p:sldId id="264" r:id="rId12"/>
-    <p:sldId id="265" r:id="rId13"/>
-    <p:sldId id="270" r:id="rId14"/>
-    <p:sldId id="266" r:id="rId15"/>
-    <p:sldId id="267" r:id="rId16"/>
+    <p:sldId id="272" r:id="rId13"/>
+    <p:sldId id="271" r:id="rId14"/>
+    <p:sldId id="265" r:id="rId15"/>
+    <p:sldId id="270" r:id="rId16"/>
+    <p:sldId id="266" r:id="rId17"/>
+    <p:sldId id="267" r:id="rId18"/>
   </p:sldIdLst>
   <p:sldSz cx="9144000" cy="6858000" type="screen4x3"/>
   <p:notesSz cx="6858000" cy="9144000"/>
@@ -219,7 +221,7 @@
           <a:p>
             <a:fld id="{3C386420-1856-4FF9-B0C3-023CBAC50013}" type="datetimeFigureOut">
               <a:rPr lang="en-US" smtClean="0"/>
-              <a:t>1/5/2019</a:t>
+              <a:t>1/7/2019</a:t>
             </a:fld>
             <a:endParaRPr lang="en-US"/>
           </a:p>
@@ -856,7 +858,7 @@
           <p:cNvPr id="5" name="Graphic 97">
             <a:extLst>
               <a:ext uri="{FF2B5EF4-FFF2-40B4-BE49-F238E27FC236}">
-                <a16:creationId xmlns:a16="http://schemas.microsoft.com/office/drawing/2014/main" xmlns="" id="{46279687-00F0-4823-8159-585447C125F0}"/>
+                <a16:creationId xmlns="" xmlns:a16="http://schemas.microsoft.com/office/drawing/2014/main" id="{46279687-00F0-4823-8159-585447C125F0}"/>
               </a:ext>
             </a:extLst>
           </p:cNvPr>
@@ -869,7 +871,7 @@
           <a:blip r:embed="rId2">
             <a:extLst>
               <a:ext uri="{96DAC541-7B7A-43D3-8B79-37D633B846F1}">
-                <asvg:svgBlip xmlns:asvg="http://schemas.microsoft.com/office/drawing/2016/SVG/main" xmlns="" r:embed="rId3"/>
+                <asvg:svgBlip xmlns="" xmlns:asvg="http://schemas.microsoft.com/office/drawing/2016/SVG/main" r:embed="rId3"/>
               </a:ext>
             </a:extLst>
           </a:blip>
@@ -1031,7 +1033,7 @@
           <p:cNvPr id="7" name="Graphic 9">
             <a:extLst>
               <a:ext uri="{FF2B5EF4-FFF2-40B4-BE49-F238E27FC236}">
-                <a16:creationId xmlns:a16="http://schemas.microsoft.com/office/drawing/2014/main" xmlns="" id="{C3D2EC56-D17C-4A75-8178-C69397BC7353}"/>
+                <a16:creationId xmlns="" xmlns:a16="http://schemas.microsoft.com/office/drawing/2014/main" id="{C3D2EC56-D17C-4A75-8178-C69397BC7353}"/>
               </a:ext>
             </a:extLst>
           </p:cNvPr>
@@ -1044,7 +1046,7 @@
           <a:blip r:embed="rId4">
             <a:extLst>
               <a:ext uri="{96DAC541-7B7A-43D3-8B79-37D633B846F1}">
-                <asvg:svgBlip xmlns:asvg="http://schemas.microsoft.com/office/drawing/2016/SVG/main" xmlns="" r:embed="rId5"/>
+                <asvg:svgBlip xmlns="" xmlns:asvg="http://schemas.microsoft.com/office/drawing/2016/SVG/main" r:embed="rId5"/>
               </a:ext>
             </a:extLst>
           </a:blip>
@@ -1265,7 +1267,7 @@
           <a:graphicData uri="http://schemas.openxmlformats.org/presentationml/2006/ole">
             <mc:AlternateContent xmlns:mc="http://schemas.openxmlformats.org/markup-compatibility/2006">
               <mc:Choice xmlns:v="urn:schemas-microsoft-com:vml" Requires="v">
-                <p:oleObj spid="_x0000_s1061" name="think-cell Slide" r:id="rId6" imgW="360" imgH="360" progId="">
+                <p:oleObj spid="_x0000_s1068" name="think-cell Slide" r:id="rId6" imgW="360" imgH="360" progId="">
                   <p:embed/>
                 </p:oleObj>
               </mc:Choice>
@@ -2086,7 +2088,7 @@
           <a:p>
             <a:fld id="{DD813432-CCF5-40C9-B4BB-E31C0BAC7659}" type="datetimeFigureOut">
               <a:rPr lang="en-US" smtClean="0"/>
-              <a:t>1/5/2019</a:t>
+              <a:t>1/7/2019</a:t>
             </a:fld>
             <a:endParaRPr lang="en-US"/>
           </a:p>
@@ -2254,7 +2256,7 @@
           <a:p>
             <a:fld id="{DD813432-CCF5-40C9-B4BB-E31C0BAC7659}" type="datetimeFigureOut">
               <a:rPr lang="en-US" smtClean="0"/>
-              <a:t>1/5/2019</a:t>
+              <a:t>1/7/2019</a:t>
             </a:fld>
             <a:endParaRPr lang="en-US"/>
           </a:p>
@@ -2342,7 +2344,7 @@
           <p:cNvPr id="4" name="Title Placeholder 3">
             <a:extLst>
               <a:ext uri="{FF2B5EF4-FFF2-40B4-BE49-F238E27FC236}">
-                <a16:creationId xmlns:a16="http://schemas.microsoft.com/office/drawing/2014/main" xmlns="" id="{509B218C-0963-489A-AA77-3748FFA421C5}"/>
+                <a16:creationId xmlns="" xmlns:a16="http://schemas.microsoft.com/office/drawing/2014/main" id="{509B218C-0963-489A-AA77-3748FFA421C5}"/>
               </a:ext>
             </a:extLst>
           </p:cNvPr>
@@ -2381,7 +2383,7 @@
           <p:cNvPr id="5" name="Text Placeholder 4">
             <a:extLst>
               <a:ext uri="{FF2B5EF4-FFF2-40B4-BE49-F238E27FC236}">
-                <a16:creationId xmlns:a16="http://schemas.microsoft.com/office/drawing/2014/main" xmlns="" id="{A4D17236-A440-4453-A69C-BE3728C11608}"/>
+                <a16:creationId xmlns="" xmlns:a16="http://schemas.microsoft.com/office/drawing/2014/main" id="{A4D17236-A440-4453-A69C-BE3728C11608}"/>
               </a:ext>
             </a:extLst>
           </p:cNvPr>
@@ -2449,7 +2451,7 @@
           <p:cNvPr id="7" name="Graphic 6">
             <a:extLst>
               <a:ext uri="{FF2B5EF4-FFF2-40B4-BE49-F238E27FC236}">
-                <a16:creationId xmlns:a16="http://schemas.microsoft.com/office/drawing/2014/main" xmlns="" id="{C117F4DF-C380-44D6-BF54-2A26A056BCB8}"/>
+                <a16:creationId xmlns="" xmlns:a16="http://schemas.microsoft.com/office/drawing/2014/main" id="{C117F4DF-C380-44D6-BF54-2A26A056BCB8}"/>
               </a:ext>
             </a:extLst>
           </p:cNvPr>
@@ -2462,7 +2464,7 @@
           <a:blip r:embed="rId10">
             <a:extLst>
               <a:ext uri="{96DAC541-7B7A-43D3-8B79-37D633B846F1}">
-                <asvg:svgBlip xmlns:asvg="http://schemas.microsoft.com/office/drawing/2016/SVG/main" xmlns="" r:embed="rId11"/>
+                <asvg:svgBlip xmlns="" xmlns:asvg="http://schemas.microsoft.com/office/drawing/2016/SVG/main" r:embed="rId11"/>
               </a:ext>
             </a:extLst>
           </a:blip>
@@ -2922,7 +2924,7 @@
           <p:cNvPr id="3" name="Title 2">
             <a:extLst>
               <a:ext uri="{FF2B5EF4-FFF2-40B4-BE49-F238E27FC236}">
-                <a16:creationId xmlns:a16="http://schemas.microsoft.com/office/drawing/2014/main" xmlns="" id="{A0BF94D0-E1BC-4302-BC88-DD0CABF84BD4}"/>
+                <a16:creationId xmlns="" xmlns:a16="http://schemas.microsoft.com/office/drawing/2014/main" id="{A0BF94D0-E1BC-4302-BC88-DD0CABF84BD4}"/>
               </a:ext>
             </a:extLst>
           </p:cNvPr>
@@ -2956,7 +2958,11 @@
             </a:br>
             <a:r>
               <a:rPr lang="en-US" dirty="0" smtClean="0"/>
-              <a:t>Policy Endorsement</a:t>
+              <a:t>Insurance Policy </a:t>
+            </a:r>
+            <a:r>
+              <a:rPr lang="en-US" dirty="0" smtClean="0"/>
+              <a:t>Endorsement</a:t>
             </a:r>
             <a:endParaRPr lang="en-US" dirty="0"/>
           </a:p>
@@ -2967,7 +2973,7 @@
           <p:cNvPr id="4" name="Subtitle 3">
             <a:extLst>
               <a:ext uri="{FF2B5EF4-FFF2-40B4-BE49-F238E27FC236}">
-                <a16:creationId xmlns:a16="http://schemas.microsoft.com/office/drawing/2014/main" xmlns="" id="{4CF3A756-EC7B-4FED-9197-9EAEE09922F5}"/>
+                <a16:creationId xmlns="" xmlns:a16="http://schemas.microsoft.com/office/drawing/2014/main" id="{4CF3A756-EC7B-4FED-9197-9EAEE09922F5}"/>
               </a:ext>
             </a:extLst>
           </p:cNvPr>
@@ -3077,7 +3083,7 @@
           <a:p>
             <a:r>
               <a:rPr lang="en-US" dirty="0" smtClean="0"/>
-              <a:t>Screen shots</a:t>
+              <a:t>Search Policy Page</a:t>
             </a:r>
             <a:endParaRPr lang="en-US" dirty="0"/>
           </a:p>
@@ -3085,7 +3091,7 @@
       </p:sp>
       <p:pic>
         <p:nvPicPr>
-          <p:cNvPr id="4" name="Picture 3"/>
+          <p:cNvPr id="5" name="Picture 4"/>
           <p:cNvPicPr>
             <a:picLocks noChangeAspect="1"/>
           </p:cNvPicPr>
@@ -3105,8 +3111,8 @@
         </p:blipFill>
         <p:spPr>
           <a:xfrm>
-            <a:off x="152400" y="1371600"/>
-            <a:ext cx="8839200" cy="4584700"/>
+            <a:off x="76200" y="1066800"/>
+            <a:ext cx="9067800" cy="5314950"/>
           </a:xfrm>
           <a:prstGeom prst="rect">
             <a:avLst/>
@@ -3116,7 +3122,7 @@
     </p:spTree>
     <p:extLst>
       <p:ext uri="{BB962C8B-B14F-4D97-AF65-F5344CB8AC3E}">
-        <p14:creationId xmlns:p14="http://schemas.microsoft.com/office/powerpoint/2010/main" val="4225153191"/>
+        <p14:creationId xmlns:p14="http://schemas.microsoft.com/office/powerpoint/2010/main" val="1092526018"/>
       </p:ext>
     </p:extLst>
   </p:cSld>
@@ -3166,6 +3172,180 @@
           <a:lstStyle/>
           <a:p>
             <a:r>
+              <a:rPr lang="en-US" dirty="0" smtClean="0"/>
+              <a:t>View Policy Page</a:t>
+            </a:r>
+            <a:endParaRPr lang="en-US" dirty="0"/>
+          </a:p>
+        </p:txBody>
+      </p:sp>
+      <p:pic>
+        <p:nvPicPr>
+          <p:cNvPr id="4" name="Picture 3"/>
+          <p:cNvPicPr>
+            <a:picLocks noChangeAspect="1"/>
+          </p:cNvPicPr>
+          <p:nvPr/>
+        </p:nvPicPr>
+        <p:blipFill>
+          <a:blip r:embed="rId2"/>
+          <a:stretch>
+            <a:fillRect/>
+          </a:stretch>
+        </p:blipFill>
+        <p:spPr>
+          <a:xfrm>
+            <a:off x="0" y="1219200"/>
+            <a:ext cx="9144000" cy="5715000"/>
+          </a:xfrm>
+          <a:prstGeom prst="rect">
+            <a:avLst/>
+          </a:prstGeom>
+        </p:spPr>
+      </p:pic>
+    </p:spTree>
+    <p:extLst>
+      <p:ext uri="{BB962C8B-B14F-4D97-AF65-F5344CB8AC3E}">
+        <p14:creationId xmlns:p14="http://schemas.microsoft.com/office/powerpoint/2010/main" val="696800981"/>
+      </p:ext>
+    </p:extLst>
+  </p:cSld>
+  <p:clrMapOvr>
+    <a:masterClrMapping/>
+  </p:clrMapOvr>
+  <p:timing>
+    <p:tnLst>
+      <p:par>
+        <p:cTn id="1" dur="indefinite" restart="never" nodeType="tmRoot"/>
+      </p:par>
+    </p:tnLst>
+  </p:timing>
+</p:sld>
+</file>
+
+<file path=ppt/slides/slide12.xml><?xml version="1.0" encoding="utf-8"?>
+<p:sld xmlns:a="http://schemas.openxmlformats.org/drawingml/2006/main" xmlns:r="http://schemas.openxmlformats.org/officeDocument/2006/relationships" xmlns:p="http://schemas.openxmlformats.org/presentationml/2006/main">
+  <p:cSld>
+    <p:spTree>
+      <p:nvGrpSpPr>
+        <p:cNvPr id="1" name=""/>
+        <p:cNvGrpSpPr/>
+        <p:nvPr/>
+      </p:nvGrpSpPr>
+      <p:grpSpPr>
+        <a:xfrm>
+          <a:off x="0" y="0"/>
+          <a:ext cx="0" cy="0"/>
+          <a:chOff x="0" y="0"/>
+          <a:chExt cx="0" cy="0"/>
+        </a:xfrm>
+      </p:grpSpPr>
+      <p:sp>
+        <p:nvSpPr>
+          <p:cNvPr id="2" name="Title 1"/>
+          <p:cNvSpPr>
+            <a:spLocks noGrp="1"/>
+          </p:cNvSpPr>
+          <p:nvPr>
+            <p:ph type="title"/>
+          </p:nvPr>
+        </p:nvSpPr>
+        <p:spPr/>
+        <p:txBody>
+          <a:bodyPr/>
+          <a:lstStyle/>
+          <a:p>
+            <a:r>
+              <a:rPr lang="en-US" dirty="0" smtClean="0"/>
+              <a:t>Endorsement Status Page</a:t>
+            </a:r>
+            <a:endParaRPr lang="en-US" dirty="0"/>
+          </a:p>
+        </p:txBody>
+      </p:sp>
+      <p:pic>
+        <p:nvPicPr>
+          <p:cNvPr id="3" name="Picture 2"/>
+          <p:cNvPicPr>
+            <a:picLocks noChangeAspect="1"/>
+          </p:cNvPicPr>
+          <p:nvPr/>
+        </p:nvPicPr>
+        <p:blipFill>
+          <a:blip r:embed="rId2">
+            <a:extLst>
+              <a:ext uri="{28A0092B-C50C-407E-A947-70E740481C1C}">
+                <a14:useLocalDpi xmlns:a14="http://schemas.microsoft.com/office/drawing/2010/main" val="0"/>
+              </a:ext>
+            </a:extLst>
+          </a:blip>
+          <a:stretch>
+            <a:fillRect/>
+          </a:stretch>
+        </p:blipFill>
+        <p:spPr>
+          <a:xfrm>
+            <a:off x="0" y="1268413"/>
+            <a:ext cx="9144000" cy="5715000"/>
+          </a:xfrm>
+          <a:prstGeom prst="rect">
+            <a:avLst/>
+          </a:prstGeom>
+        </p:spPr>
+      </p:pic>
+    </p:spTree>
+    <p:extLst>
+      <p:ext uri="{BB962C8B-B14F-4D97-AF65-F5344CB8AC3E}">
+        <p14:creationId xmlns:p14="http://schemas.microsoft.com/office/powerpoint/2010/main" val="4225153191"/>
+      </p:ext>
+    </p:extLst>
+  </p:cSld>
+  <p:clrMapOvr>
+    <a:masterClrMapping/>
+  </p:clrMapOvr>
+  <p:timing>
+    <p:tnLst>
+      <p:par>
+        <p:cTn id="1" dur="indefinite" restart="never" nodeType="tmRoot"/>
+      </p:par>
+    </p:tnLst>
+  </p:timing>
+</p:sld>
+</file>
+
+<file path=ppt/slides/slide13.xml><?xml version="1.0" encoding="utf-8"?>
+<p:sld xmlns:a="http://schemas.openxmlformats.org/drawingml/2006/main" xmlns:r="http://schemas.openxmlformats.org/officeDocument/2006/relationships" xmlns:p="http://schemas.openxmlformats.org/presentationml/2006/main">
+  <p:cSld>
+    <p:spTree>
+      <p:nvGrpSpPr>
+        <p:cNvPr id="1" name=""/>
+        <p:cNvGrpSpPr/>
+        <p:nvPr/>
+      </p:nvGrpSpPr>
+      <p:grpSpPr>
+        <a:xfrm>
+          <a:off x="0" y="0"/>
+          <a:ext cx="0" cy="0"/>
+          <a:chOff x="0" y="0"/>
+          <a:chExt cx="0" cy="0"/>
+        </a:xfrm>
+      </p:grpSpPr>
+      <p:sp>
+        <p:nvSpPr>
+          <p:cNvPr id="2" name="Title 1"/>
+          <p:cNvSpPr>
+            <a:spLocks noGrp="1"/>
+          </p:cNvSpPr>
+          <p:nvPr>
+            <p:ph type="title"/>
+          </p:nvPr>
+        </p:nvSpPr>
+        <p:spPr/>
+        <p:txBody>
+          <a:bodyPr/>
+          <a:lstStyle/>
+          <a:p>
+            <a:r>
               <a:rPr lang="en-US" smtClean="0"/>
               <a:t>Future Enhancements</a:t>
             </a:r>
@@ -3186,70 +3366,71 @@
         <p:spPr/>
         <p:txBody>
           <a:bodyPr>
-            <a:normAutofit fontScale="92500" lnSpcReduction="20000"/>
+            <a:normAutofit fontScale="85000" lnSpcReduction="20000"/>
           </a:bodyPr>
           <a:lstStyle/>
           <a:p>
             <a:pPr algn="l"/>
             <a:r>
-              <a:rPr lang="en-US" dirty="0"/>
-              <a:t>The distribution efficiency also leads to cost efficiency. Since the customer buys directly from the insurer, the distributor's </a:t>
-            </a:r>
-            <a:r>
-              <a:rPr lang="en-US" dirty="0" smtClean="0"/>
-              <a:t>margin is saved.</a:t>
+              <a:rPr lang="en-US" sz="2000" dirty="0">
+                <a:cs typeface="Times New Roman" panose="02020603050405020304" pitchFamily="18" charset="0"/>
+              </a:rPr>
+              <a:t>It will be safe to presume that online is the future for the Indian insurance industry.</a:t>
             </a:r>
           </a:p>
           <a:p>
             <a:pPr marL="0" indent="0" algn="l">
               <a:buNone/>
             </a:pPr>
-            <a:endParaRPr lang="en-US" dirty="0" smtClean="0"/>
+            <a:endParaRPr lang="en-US" sz="2000" dirty="0">
+              <a:cs typeface="Times New Roman" panose="02020603050405020304" pitchFamily="18" charset="0"/>
+            </a:endParaRPr>
           </a:p>
           <a:p>
             <a:pPr algn="l"/>
             <a:r>
-              <a:rPr lang="en-US" dirty="0" smtClean="0"/>
-              <a:t> </a:t>
-            </a:r>
-            <a:r>
-              <a:rPr lang="en-US" dirty="0"/>
-              <a:t> The biggest benefit of online platform is that it offers the customer to make an informed choice. </a:t>
-            </a:r>
-            <a:endParaRPr lang="en-US" dirty="0" smtClean="0"/>
+              <a:rPr lang="en-US" sz="2000" dirty="0">
+                <a:cs typeface="Times New Roman" panose="02020603050405020304" pitchFamily="18" charset="0"/>
+              </a:rPr>
+              <a:t>Digitalization will make people more knowledgeable about various types of insurance policies.</a:t>
+            </a:r>
+          </a:p>
+          <a:p>
+            <a:pPr algn="l"/>
+            <a:endParaRPr lang="en-US" sz="2000" dirty="0">
+              <a:cs typeface="Times New Roman" panose="02020603050405020304" pitchFamily="18" charset="0"/>
+            </a:endParaRPr>
+          </a:p>
+          <a:p>
+            <a:pPr algn="l"/>
+            <a:r>
+              <a:rPr lang="en-US" sz="2000" dirty="0">
+                <a:cs typeface="Times New Roman" panose="02020603050405020304" pitchFamily="18" charset="0"/>
+              </a:rPr>
+              <a:t>Here you can search for a particular type of insurance and can compare between many brands to get the best deal.</a:t>
+            </a:r>
+          </a:p>
+          <a:p>
+            <a:pPr algn="l"/>
+            <a:endParaRPr lang="en-US" sz="2000" dirty="0">
+              <a:cs typeface="Times New Roman" panose="02020603050405020304" pitchFamily="18" charset="0"/>
+            </a:endParaRPr>
           </a:p>
           <a:p>
             <a:pPr marL="0" indent="0" algn="l">
               <a:buNone/>
             </a:pPr>
-            <a:endParaRPr lang="en-US" dirty="0" smtClean="0"/>
+            <a:endParaRPr lang="en-US" sz="2000" dirty="0">
+              <a:cs typeface="Times New Roman" panose="02020603050405020304" pitchFamily="18" charset="0"/>
+            </a:endParaRPr>
           </a:p>
           <a:p>
             <a:pPr algn="l"/>
             <a:r>
-              <a:rPr lang="en-US" dirty="0"/>
-              <a:t>Moreover, when buying online, you can check the reviews and comments </a:t>
-            </a:r>
-            <a:r>
-              <a:rPr lang="en-US"/>
-              <a:t>section</a:t>
-            </a:r>
-            <a:r>
-              <a:rPr lang="en-US" smtClean="0"/>
-              <a:t>.</a:t>
-            </a:r>
-          </a:p>
-          <a:p>
-            <a:pPr marL="0" indent="0" algn="l">
-              <a:buNone/>
-            </a:pPr>
-            <a:endParaRPr lang="en-US" dirty="0" smtClean="0"/>
-          </a:p>
-          <a:p>
-            <a:pPr algn="l"/>
-            <a:r>
-              <a:rPr lang="en-US" dirty="0"/>
-              <a:t>You can download product literature like brochures and policy wordings, get quick premium quotes, renew your old policies, pay premiums online, track your insurance investments and make online claims. </a:t>
+              <a:rPr lang="en-US" sz="2000">
+                <a:cs typeface="Times New Roman" panose="02020603050405020304" pitchFamily="18" charset="0"/>
+              </a:rPr>
+              <a:t>Also, you get an appropriate amount of time to do proper research before buying the policy.</a:t>
             </a:r>
             <a:r>
               <a:rPr lang="en-US" dirty="0"/>
@@ -3330,7 +3511,7 @@
 </p:sld>
 </file>
 
-<file path=ppt/slides/slide12.xml><?xml version="1.0" encoding="utf-8"?>
+<file path=ppt/slides/slide14.xml><?xml version="1.0" encoding="utf-8"?>
 <p:sld xmlns:a="http://schemas.openxmlformats.org/drawingml/2006/main" xmlns:r="http://schemas.openxmlformats.org/officeDocument/2006/relationships" xmlns:p="http://schemas.openxmlformats.org/presentationml/2006/main">
   <p:cSld>
     <p:spTree>
@@ -3417,7 +3598,7 @@
           <p:cNvPr id="6" name="Title 5">
             <a:extLst>
               <a:ext uri="{FF2B5EF4-FFF2-40B4-BE49-F238E27FC236}">
-                <a16:creationId xmlns:a16="http://schemas.microsoft.com/office/drawing/2014/main" xmlns="" id="{3A812649-91A0-4BF3-A149-782869BF25C4}"/>
+                <a16:creationId xmlns="" xmlns:a16="http://schemas.microsoft.com/office/drawing/2014/main" id="{3A812649-91A0-4BF3-A149-782869BF25C4}"/>
               </a:ext>
             </a:extLst>
           </p:cNvPr>
@@ -3447,7 +3628,7 @@
           <p:cNvPr id="7" name="Content Placeholder 6">
             <a:extLst>
               <a:ext uri="{FF2B5EF4-FFF2-40B4-BE49-F238E27FC236}">
-                <a16:creationId xmlns:a16="http://schemas.microsoft.com/office/drawing/2014/main" xmlns="" id="{6CA2DFD8-1E7F-400F-B35D-344DAC786D69}"/>
+                <a16:creationId xmlns="" xmlns:a16="http://schemas.microsoft.com/office/drawing/2014/main" id="{6CA2DFD8-1E7F-400F-B35D-344DAC786D69}"/>
               </a:ext>
             </a:extLst>
           </p:cNvPr>
@@ -3648,11 +3829,7 @@
             </a:pPr>
             <a:r>
               <a:rPr lang="en-US" dirty="0" smtClean="0"/>
-              <a:t>		</a:t>
-            </a:r>
-            <a:r>
-              <a:rPr lang="en-US" dirty="0" smtClean="0"/>
-              <a:t>a. WPF 4.5</a:t>
+              <a:t>		a. WPF 4.5</a:t>
             </a:r>
           </a:p>
           <a:p>
@@ -3702,11 +3879,7 @@
             </a:pPr>
             <a:r>
               <a:rPr lang="en-US" dirty="0" smtClean="0"/>
-              <a:t>		</a:t>
-            </a:r>
-            <a:r>
-              <a:rPr lang="en-US" dirty="0" smtClean="0"/>
-              <a:t>a. SQL Server 2012</a:t>
+              <a:t>		a. SQL Server 2012</a:t>
             </a:r>
             <a:r>
               <a:rPr lang="en-US" dirty="0"/>
@@ -4035,7 +4208,7 @@
           <a:p>
             <a:r>
               <a:rPr lang="en-US" dirty="0" smtClean="0"/>
-              <a:t>Sequence/Activity </a:t>
+              <a:t>Activity </a:t>
             </a:r>
             <a:r>
               <a:rPr lang="en-US" dirty="0"/>
@@ -4121,36 +4294,31 @@
           <a:lstStyle/>
           <a:p>
             <a:r>
-              <a:rPr lang="en-US" dirty="0"/>
-              <a:t>Screen shots</a:t>
-            </a:r>
+              <a:rPr lang="en-US" dirty="0" smtClean="0"/>
+              <a:t>Login Page</a:t>
+            </a:r>
+            <a:endParaRPr lang="en-US" dirty="0"/>
           </a:p>
         </p:txBody>
       </p:sp>
       <p:pic>
         <p:nvPicPr>
-          <p:cNvPr id="5" name="Picture 4"/>
+          <p:cNvPr id="4" name="Picture 3"/>
           <p:cNvPicPr>
             <a:picLocks noChangeAspect="1"/>
           </p:cNvPicPr>
           <p:nvPr/>
         </p:nvPicPr>
         <p:blipFill>
-          <a:blip r:embed="rId2">
-            <a:extLst>
-              <a:ext uri="{28A0092B-C50C-407E-A947-70E740481C1C}">
-                <a14:useLocalDpi xmlns:a14="http://schemas.microsoft.com/office/drawing/2010/main" val="0"/>
-              </a:ext>
-            </a:extLst>
-          </a:blip>
+          <a:blip r:embed="rId2"/>
           <a:stretch>
             <a:fillRect/>
           </a:stretch>
         </p:blipFill>
         <p:spPr>
           <a:xfrm>
-            <a:off x="67937" y="1543050"/>
-            <a:ext cx="9067800" cy="5314950"/>
+            <a:off x="0" y="1143000"/>
+            <a:ext cx="9144000" cy="5715000"/>
           </a:xfrm>
           <a:prstGeom prst="rect">
             <a:avLst/>
@@ -4210,36 +4378,31 @@
           <a:lstStyle/>
           <a:p>
             <a:r>
-              <a:rPr lang="en-US" dirty="0"/>
-              <a:t>Screen shots</a:t>
-            </a:r>
+              <a:rPr lang="en-US" dirty="0" smtClean="0"/>
+              <a:t>Home Page</a:t>
+            </a:r>
+            <a:endParaRPr lang="en-US" dirty="0"/>
           </a:p>
         </p:txBody>
       </p:sp>
       <p:pic>
         <p:nvPicPr>
-          <p:cNvPr id="5" name="Picture 4"/>
+          <p:cNvPr id="4" name="Picture 3"/>
           <p:cNvPicPr>
             <a:picLocks noChangeAspect="1"/>
           </p:cNvPicPr>
           <p:nvPr/>
         </p:nvPicPr>
         <p:blipFill>
-          <a:blip r:embed="rId2">
-            <a:extLst>
-              <a:ext uri="{28A0092B-C50C-407E-A947-70E740481C1C}">
-                <a14:useLocalDpi xmlns:a14="http://schemas.microsoft.com/office/drawing/2010/main" val="0"/>
-              </a:ext>
-            </a:extLst>
-          </a:blip>
+          <a:blip r:embed="rId2"/>
           <a:stretch>
             <a:fillRect/>
           </a:stretch>
         </p:blipFill>
         <p:spPr>
           <a:xfrm>
-            <a:off x="0" y="990600"/>
-            <a:ext cx="9067800" cy="5473700"/>
+            <a:off x="0" y="1143000"/>
+            <a:ext cx="9144000" cy="5715000"/>
           </a:xfrm>
           <a:prstGeom prst="rect">
             <a:avLst/>
@@ -4249,7 +4412,7 @@
     </p:spTree>
     <p:extLst>
       <p:ext uri="{BB962C8B-B14F-4D97-AF65-F5344CB8AC3E}">
-        <p14:creationId xmlns:p14="http://schemas.microsoft.com/office/powerpoint/2010/main" val="696800981"/>
+        <p14:creationId xmlns:p14="http://schemas.microsoft.com/office/powerpoint/2010/main" val="298078699"/>
       </p:ext>
     </p:extLst>
   </p:cSld>
@@ -4795,25 +4958,6 @@
 </file>
 
 <file path=customXml/item1.xml><?xml version="1.0" encoding="utf-8"?>
-<?mso-contentType ?>
-<FormTemplates xmlns="http://schemas.microsoft.com/sharepoint/v3/contenttype/forms">
-  <Display>DocumentLibraryForm</Display>
-  <Edit>DocumentLibraryForm</Edit>
-  <New>DocumentLibraryForm</New>
-</FormTemplates>
-</file>
-
-<file path=customXml/item2.xml><?xml version="1.0" encoding="utf-8"?>
-<p:properties xmlns:p="http://schemas.microsoft.com/office/2006/metadata/properties" xmlns:xsi="http://www.w3.org/2001/XMLSchema-instance" xmlns:pc="http://schemas.microsoft.com/office/infopath/2007/PartnerControls">
-  <documentManagement>
-    <Material_x0020_Type xmlns="ff9673e2-8703-4f54-a1af-e608932f257d">Class book</Material_x0020_Type>
-    <Category xmlns="ff9673e2-8703-4f54-a1af-e608932f257d">Module Artifact</Category>
-    <Level xmlns="ff9673e2-8703-4f54-a1af-e608932f257d">L1</Level>
-  </documentManagement>
-</p:properties>
-</file>
-
-<file path=customXml/item3.xml><?xml version="1.0" encoding="utf-8"?>
 <ct:contentTypeSchema xmlns:ct="http://schemas.microsoft.com/office/2006/metadata/contentType" xmlns:ma="http://schemas.microsoft.com/office/2006/metadata/properties/metaAttributes" ct:_="" ma:_="" ma:contentTypeName="Document" ma:contentTypeID="0x01010079AE12BA53767D44BC77A4C9A1ECA869" ma:contentTypeVersion="3" ma:contentTypeDescription="Create a new document." ma:contentTypeScope="" ma:versionID="f67ee02f4c6147b21582c34896ffff31">
   <xsd:schema xmlns:xsd="http://www.w3.org/2001/XMLSchema" xmlns:xs="http://www.w3.org/2001/XMLSchema" xmlns:p="http://schemas.microsoft.com/office/2006/metadata/properties" xmlns:ns2="ff9673e2-8703-4f54-a1af-e608932f257d" targetNamespace="http://schemas.microsoft.com/office/2006/metadata/properties" ma:root="true" ma:fieldsID="17688dc9c4f9013ba065dbc1ba4ba8a6" ns2:_="">
     <xsd:import namespace="ff9673e2-8703-4f54-a1af-e608932f257d"/>
@@ -4972,10 +5116,39 @@
 </ct:contentTypeSchema>
 </file>
 
+<file path=customXml/item2.xml><?xml version="1.0" encoding="utf-8"?>
+<p:properties xmlns:p="http://schemas.microsoft.com/office/2006/metadata/properties" xmlns:xsi="http://www.w3.org/2001/XMLSchema-instance" xmlns:pc="http://schemas.microsoft.com/office/infopath/2007/PartnerControls">
+  <documentManagement>
+    <Material_x0020_Type xmlns="ff9673e2-8703-4f54-a1af-e608932f257d">Class book</Material_x0020_Type>
+    <Category xmlns="ff9673e2-8703-4f54-a1af-e608932f257d">Module Artifact</Category>
+    <Level xmlns="ff9673e2-8703-4f54-a1af-e608932f257d">L1</Level>
+  </documentManagement>
+</p:properties>
+</file>
+
+<file path=customXml/item3.xml><?xml version="1.0" encoding="utf-8"?>
+<?mso-contentType ?>
+<FormTemplates xmlns="http://schemas.microsoft.com/sharepoint/v3/contenttype/forms">
+  <Display>DocumentLibraryForm</Display>
+  <Edit>DocumentLibraryForm</Edit>
+  <New>DocumentLibraryForm</New>
+</FormTemplates>
+</file>
+
 <file path=customXml/itemProps1.xml><?xml version="1.0" encoding="utf-8"?>
-<ds:datastoreItem xmlns:ds="http://schemas.openxmlformats.org/officeDocument/2006/customXml" ds:itemID="{8A4511C7-3CF7-4DE5-A93B-41A0EC863183}">
+<ds:datastoreItem xmlns:ds="http://schemas.openxmlformats.org/officeDocument/2006/customXml" ds:itemID="{FE1DCA56-CCD3-4743-8065-04AF2CD55600}">
   <ds:schemaRefs>
-    <ds:schemaRef ds:uri="http://schemas.microsoft.com/sharepoint/v3/contenttype/forms"/>
+    <ds:schemaRef ds:uri="http://schemas.microsoft.com/office/2006/metadata/contentType"/>
+    <ds:schemaRef ds:uri="http://schemas.microsoft.com/office/2006/metadata/properties/metaAttributes"/>
+    <ds:schemaRef ds:uri="http://www.w3.org/2001/XMLSchema"/>
+    <ds:schemaRef ds:uri="http://schemas.microsoft.com/office/2006/metadata/properties"/>
+    <ds:schemaRef ds:uri="ff9673e2-8703-4f54-a1af-e608932f257d"/>
+    <ds:schemaRef ds:uri="http://schemas.microsoft.com/office/2006/documentManagement/types"/>
+    <ds:schemaRef ds:uri="http://schemas.microsoft.com/office/infopath/2007/PartnerControls"/>
+    <ds:schemaRef ds:uri="http://schemas.openxmlformats.org/package/2006/metadata/core-properties"/>
+    <ds:schemaRef ds:uri="http://purl.org/dc/elements/1.1/"/>
+    <ds:schemaRef ds:uri="http://purl.org/dc/terms/"/>
+    <ds:schemaRef ds:uri="http://schemas.microsoft.com/internal/obd"/>
   </ds:schemaRefs>
 </ds:datastoreItem>
 </file>
@@ -4991,19 +5164,9 @@
 </file>
 
 <file path=customXml/itemProps3.xml><?xml version="1.0" encoding="utf-8"?>
-<ds:datastoreItem xmlns:ds="http://schemas.openxmlformats.org/officeDocument/2006/customXml" ds:itemID="{FE1DCA56-CCD3-4743-8065-04AF2CD55600}">
+<ds:datastoreItem xmlns:ds="http://schemas.openxmlformats.org/officeDocument/2006/customXml" ds:itemID="{8A4511C7-3CF7-4DE5-A93B-41A0EC863183}">
   <ds:schemaRefs>
-    <ds:schemaRef ds:uri="http://schemas.microsoft.com/office/2006/metadata/contentType"/>
-    <ds:schemaRef ds:uri="http://schemas.microsoft.com/office/2006/metadata/properties/metaAttributes"/>
-    <ds:schemaRef ds:uri="http://www.w3.org/2001/XMLSchema"/>
-    <ds:schemaRef ds:uri="http://schemas.microsoft.com/office/2006/metadata/properties"/>
-    <ds:schemaRef ds:uri="ff9673e2-8703-4f54-a1af-e608932f257d"/>
-    <ds:schemaRef ds:uri="http://schemas.microsoft.com/office/2006/documentManagement/types"/>
-    <ds:schemaRef ds:uri="http://schemas.microsoft.com/office/infopath/2007/PartnerControls"/>
-    <ds:schemaRef ds:uri="http://schemas.openxmlformats.org/package/2006/metadata/core-properties"/>
-    <ds:schemaRef ds:uri="http://purl.org/dc/elements/1.1/"/>
-    <ds:schemaRef ds:uri="http://purl.org/dc/terms/"/>
-    <ds:schemaRef ds:uri="http://schemas.microsoft.com/internal/obd"/>
+    <ds:schemaRef ds:uri="http://schemas.microsoft.com/sharepoint/v3/contenttype/forms"/>
   </ds:schemaRefs>
 </ds:datastoreItem>
 </file>